--- a/Grafiken_Pool/Auswertung/CCA_Stoerer_Power.pptx
+++ b/Grafiken_Pool/Auswertung/CCA_Stoerer_Power.pptx
@@ -2,19 +2,19 @@
 <file path=ppt/presentation.xml><?xml version="1.0" encoding="utf-8"?>
 <p:presentation xmlns:a="http://schemas.openxmlformats.org/drawingml/2006/main" xmlns:r="http://schemas.openxmlformats.org/officeDocument/2006/relationships" xmlns:p="http://schemas.openxmlformats.org/presentationml/2006/main" saveSubsetFonts="1" autoCompressPictures="0">
   <p:sldMasterIdLst>
-    <p:sldMasterId id="2147483708" r:id="rId1"/>
+    <p:sldMasterId id="2147483744" r:id="rId1"/>
   </p:sldMasterIdLst>
   <p:sldIdLst>
     <p:sldId id="256" r:id="rId2"/>
   </p:sldIdLst>
-  <p:sldSz cx="12192000" cy="5184775"/>
+  <p:sldSz cx="12599988" cy="6119813"/>
   <p:notesSz cx="6858000" cy="9144000"/>
   <p:defaultTextStyle>
     <a:defPPr>
       <a:defRPr lang="de-DE"/>
     </a:defPPr>
-    <a:lvl1pPr marL="0" algn="l" defTabSz="914400" rtl="0" eaLnBrk="1" latinLnBrk="0" hangingPunct="1">
-      <a:defRPr sz="1800" kern="1200">
+    <a:lvl1pPr marL="0" algn="l" defTabSz="966077" rtl="0" eaLnBrk="1" latinLnBrk="0" hangingPunct="1">
+      <a:defRPr sz="1902" kern="1200">
         <a:solidFill>
           <a:schemeClr val="tx1"/>
         </a:solidFill>
@@ -23,8 +23,8 @@
         <a:cs typeface="+mn-cs"/>
       </a:defRPr>
     </a:lvl1pPr>
-    <a:lvl2pPr marL="457200" algn="l" defTabSz="914400" rtl="0" eaLnBrk="1" latinLnBrk="0" hangingPunct="1">
-      <a:defRPr sz="1800" kern="1200">
+    <a:lvl2pPr marL="483038" algn="l" defTabSz="966077" rtl="0" eaLnBrk="1" latinLnBrk="0" hangingPunct="1">
+      <a:defRPr sz="1902" kern="1200">
         <a:solidFill>
           <a:schemeClr val="tx1"/>
         </a:solidFill>
@@ -33,8 +33,8 @@
         <a:cs typeface="+mn-cs"/>
       </a:defRPr>
     </a:lvl2pPr>
-    <a:lvl3pPr marL="914400" algn="l" defTabSz="914400" rtl="0" eaLnBrk="1" latinLnBrk="0" hangingPunct="1">
-      <a:defRPr sz="1800" kern="1200">
+    <a:lvl3pPr marL="966077" algn="l" defTabSz="966077" rtl="0" eaLnBrk="1" latinLnBrk="0" hangingPunct="1">
+      <a:defRPr sz="1902" kern="1200">
         <a:solidFill>
           <a:schemeClr val="tx1"/>
         </a:solidFill>
@@ -43,8 +43,8 @@
         <a:cs typeface="+mn-cs"/>
       </a:defRPr>
     </a:lvl3pPr>
-    <a:lvl4pPr marL="1371600" algn="l" defTabSz="914400" rtl="0" eaLnBrk="1" latinLnBrk="0" hangingPunct="1">
-      <a:defRPr sz="1800" kern="1200">
+    <a:lvl4pPr marL="1449115" algn="l" defTabSz="966077" rtl="0" eaLnBrk="1" latinLnBrk="0" hangingPunct="1">
+      <a:defRPr sz="1902" kern="1200">
         <a:solidFill>
           <a:schemeClr val="tx1"/>
         </a:solidFill>
@@ -53,8 +53,8 @@
         <a:cs typeface="+mn-cs"/>
       </a:defRPr>
     </a:lvl4pPr>
-    <a:lvl5pPr marL="1828800" algn="l" defTabSz="914400" rtl="0" eaLnBrk="1" latinLnBrk="0" hangingPunct="1">
-      <a:defRPr sz="1800" kern="1200">
+    <a:lvl5pPr marL="1932154" algn="l" defTabSz="966077" rtl="0" eaLnBrk="1" latinLnBrk="0" hangingPunct="1">
+      <a:defRPr sz="1902" kern="1200">
         <a:solidFill>
           <a:schemeClr val="tx1"/>
         </a:solidFill>
@@ -63,8 +63,8 @@
         <a:cs typeface="+mn-cs"/>
       </a:defRPr>
     </a:lvl5pPr>
-    <a:lvl6pPr marL="2286000" algn="l" defTabSz="914400" rtl="0" eaLnBrk="1" latinLnBrk="0" hangingPunct="1">
-      <a:defRPr sz="1800" kern="1200">
+    <a:lvl6pPr marL="2415192" algn="l" defTabSz="966077" rtl="0" eaLnBrk="1" latinLnBrk="0" hangingPunct="1">
+      <a:defRPr sz="1902" kern="1200">
         <a:solidFill>
           <a:schemeClr val="tx1"/>
         </a:solidFill>
@@ -73,8 +73,8 @@
         <a:cs typeface="+mn-cs"/>
       </a:defRPr>
     </a:lvl6pPr>
-    <a:lvl7pPr marL="2743200" algn="l" defTabSz="914400" rtl="0" eaLnBrk="1" latinLnBrk="0" hangingPunct="1">
-      <a:defRPr sz="1800" kern="1200">
+    <a:lvl7pPr marL="2898230" algn="l" defTabSz="966077" rtl="0" eaLnBrk="1" latinLnBrk="0" hangingPunct="1">
+      <a:defRPr sz="1902" kern="1200">
         <a:solidFill>
           <a:schemeClr val="tx1"/>
         </a:solidFill>
@@ -83,8 +83,8 @@
         <a:cs typeface="+mn-cs"/>
       </a:defRPr>
     </a:lvl7pPr>
-    <a:lvl8pPr marL="3200400" algn="l" defTabSz="914400" rtl="0" eaLnBrk="1" latinLnBrk="0" hangingPunct="1">
-      <a:defRPr sz="1800" kern="1200">
+    <a:lvl8pPr marL="3381268" algn="l" defTabSz="966077" rtl="0" eaLnBrk="1" latinLnBrk="0" hangingPunct="1">
+      <a:defRPr sz="1902" kern="1200">
         <a:solidFill>
           <a:schemeClr val="tx1"/>
         </a:solidFill>
@@ -93,8 +93,8 @@
         <a:cs typeface="+mn-cs"/>
       </a:defRPr>
     </a:lvl8pPr>
-    <a:lvl9pPr marL="3657600" algn="l" defTabSz="914400" rtl="0" eaLnBrk="1" latinLnBrk="0" hangingPunct="1">
-      <a:defRPr sz="1800" kern="1200">
+    <a:lvl9pPr marL="3864307" algn="l" defTabSz="966077" rtl="0" eaLnBrk="1" latinLnBrk="0" hangingPunct="1">
+      <a:defRPr sz="1902" kern="1200">
         <a:solidFill>
           <a:schemeClr val="tx1"/>
         </a:solidFill>
@@ -141,15 +141,15 @@
         </p:nvSpPr>
         <p:spPr>
           <a:xfrm>
-            <a:off x="1524000" y="848527"/>
-            <a:ext cx="9144000" cy="1805070"/>
+            <a:off x="1574999" y="1001553"/>
+            <a:ext cx="9449991" cy="2130602"/>
           </a:xfrm>
         </p:spPr>
         <p:txBody>
           <a:bodyPr anchor="b"/>
           <a:lstStyle>
             <a:lvl1pPr algn="ctr">
-              <a:defRPr sz="4536"/>
+              <a:defRPr sz="5354"/>
             </a:lvl1pPr>
           </a:lstStyle>
           <a:p>
@@ -173,8 +173,8 @@
         </p:nvSpPr>
         <p:spPr>
           <a:xfrm>
-            <a:off x="1524000" y="2723207"/>
-            <a:ext cx="9144000" cy="1251787"/>
+            <a:off x="1574999" y="3214319"/>
+            <a:ext cx="9449991" cy="1477538"/>
           </a:xfrm>
         </p:spPr>
         <p:txBody>
@@ -182,39 +182,39 @@
           <a:lstStyle>
             <a:lvl1pPr marL="0" indent="0" algn="ctr">
               <a:buNone/>
-              <a:defRPr sz="1814"/>
+              <a:defRPr sz="2142"/>
             </a:lvl1pPr>
-            <a:lvl2pPr marL="345643" indent="0" algn="ctr">
-              <a:buNone/>
-              <a:defRPr sz="1512"/>
+            <a:lvl2pPr marL="408005" indent="0" algn="ctr">
+              <a:buNone/>
+              <a:defRPr sz="1785"/>
             </a:lvl2pPr>
-            <a:lvl3pPr marL="691286" indent="0" algn="ctr">
-              <a:buNone/>
-              <a:defRPr sz="1361"/>
+            <a:lvl3pPr marL="816011" indent="0" algn="ctr">
+              <a:buNone/>
+              <a:defRPr sz="1606"/>
             </a:lvl3pPr>
-            <a:lvl4pPr marL="1036930" indent="0" algn="ctr">
-              <a:buNone/>
-              <a:defRPr sz="1210"/>
+            <a:lvl4pPr marL="1224016" indent="0" algn="ctr">
+              <a:buNone/>
+              <a:defRPr sz="1428"/>
             </a:lvl4pPr>
-            <a:lvl5pPr marL="1382573" indent="0" algn="ctr">
-              <a:buNone/>
-              <a:defRPr sz="1210"/>
+            <a:lvl5pPr marL="1632021" indent="0" algn="ctr">
+              <a:buNone/>
+              <a:defRPr sz="1428"/>
             </a:lvl5pPr>
-            <a:lvl6pPr marL="1728216" indent="0" algn="ctr">
-              <a:buNone/>
-              <a:defRPr sz="1210"/>
+            <a:lvl6pPr marL="2040026" indent="0" algn="ctr">
+              <a:buNone/>
+              <a:defRPr sz="1428"/>
             </a:lvl6pPr>
-            <a:lvl7pPr marL="2073859" indent="0" algn="ctr">
-              <a:buNone/>
-              <a:defRPr sz="1210"/>
+            <a:lvl7pPr marL="2448032" indent="0" algn="ctr">
+              <a:buNone/>
+              <a:defRPr sz="1428"/>
             </a:lvl7pPr>
-            <a:lvl8pPr marL="2419502" indent="0" algn="ctr">
-              <a:buNone/>
-              <a:defRPr sz="1210"/>
+            <a:lvl8pPr marL="2856037" indent="0" algn="ctr">
+              <a:buNone/>
+              <a:defRPr sz="1428"/>
             </a:lvl8pPr>
-            <a:lvl9pPr marL="2765146" indent="0" algn="ctr">
-              <a:buNone/>
-              <a:defRPr sz="1210"/>
+            <a:lvl9pPr marL="3264042" indent="0" algn="ctr">
+              <a:buNone/>
+              <a:defRPr sz="1428"/>
             </a:lvl9pPr>
           </a:lstStyle>
           <a:p>
@@ -243,7 +243,7 @@
           <a:p>
             <a:fld id="{103B48E4-33E3-3D49-B47C-7E1F93DC6F9E}" type="datetimeFigureOut">
               <a:rPr lang="de-DE" smtClean="0"/>
-              <a:t>21.07.17</a:t>
+              <a:t>26.07.17</a:t>
             </a:fld>
             <a:endParaRPr lang="de-DE"/>
           </a:p>
@@ -408,7 +408,7 @@
           <a:p>
             <a:fld id="{103B48E4-33E3-3D49-B47C-7E1F93DC6F9E}" type="datetimeFigureOut">
               <a:rPr lang="de-DE" smtClean="0"/>
-              <a:t>21.07.17</a:t>
+              <a:t>26.07.17</a:t>
             </a:fld>
             <a:endParaRPr lang="de-DE"/>
           </a:p>
@@ -493,8 +493,8 @@
         </p:nvSpPr>
         <p:spPr>
           <a:xfrm>
-            <a:off x="8724900" y="276041"/>
-            <a:ext cx="2628900" cy="4393857"/>
+            <a:off x="9016867" y="325823"/>
+            <a:ext cx="2716872" cy="5186259"/>
           </a:xfrm>
         </p:spPr>
         <p:txBody>
@@ -521,8 +521,8 @@
         </p:nvSpPr>
         <p:spPr>
           <a:xfrm>
-            <a:off x="838200" y="276041"/>
-            <a:ext cx="7734300" cy="4393857"/>
+            <a:off x="866249" y="325823"/>
+            <a:ext cx="7993117" cy="5186259"/>
           </a:xfrm>
         </p:spPr>
         <p:txBody>
@@ -583,7 +583,7 @@
           <a:p>
             <a:fld id="{103B48E4-33E3-3D49-B47C-7E1F93DC6F9E}" type="datetimeFigureOut">
               <a:rPr lang="de-DE" smtClean="0"/>
-              <a:t>21.07.17</a:t>
+              <a:t>26.07.17</a:t>
             </a:fld>
             <a:endParaRPr lang="de-DE"/>
           </a:p>
@@ -748,7 +748,7 @@
           <a:p>
             <a:fld id="{103B48E4-33E3-3D49-B47C-7E1F93DC6F9E}" type="datetimeFigureOut">
               <a:rPr lang="de-DE" smtClean="0"/>
-              <a:t>21.07.17</a:t>
+              <a:t>26.07.17</a:t>
             </a:fld>
             <a:endParaRPr lang="de-DE"/>
           </a:p>
@@ -833,15 +833,15 @@
         </p:nvSpPr>
         <p:spPr>
           <a:xfrm>
-            <a:off x="831850" y="1292594"/>
-            <a:ext cx="10515600" cy="2156722"/>
+            <a:off x="859687" y="1525704"/>
+            <a:ext cx="10867490" cy="2545672"/>
           </a:xfrm>
         </p:spPr>
         <p:txBody>
           <a:bodyPr anchor="b"/>
           <a:lstStyle>
             <a:lvl1pPr>
-              <a:defRPr sz="4536"/>
+              <a:defRPr sz="5354"/>
             </a:lvl1pPr>
           </a:lstStyle>
           <a:p>
@@ -865,8 +865,8 @@
         </p:nvSpPr>
         <p:spPr>
           <a:xfrm>
-            <a:off x="831850" y="3469719"/>
-            <a:ext cx="10515600" cy="1134169"/>
+            <a:off x="859687" y="4095459"/>
+            <a:ext cx="10867490" cy="1338709"/>
           </a:xfrm>
         </p:spPr>
         <p:txBody>
@@ -874,7 +874,7 @@
           <a:lstStyle>
             <a:lvl1pPr marL="0" indent="0">
               <a:buNone/>
-              <a:defRPr sz="1814">
+              <a:defRPr sz="2142">
                 <a:solidFill>
                   <a:schemeClr val="tx1">
                     <a:tint val="75000"/>
@@ -882,9 +882,9 @@
                 </a:solidFill>
               </a:defRPr>
             </a:lvl1pPr>
-            <a:lvl2pPr marL="345643" indent="0">
-              <a:buNone/>
-              <a:defRPr sz="1512">
+            <a:lvl2pPr marL="408005" indent="0">
+              <a:buNone/>
+              <a:defRPr sz="1785">
                 <a:solidFill>
                   <a:schemeClr val="tx1">
                     <a:tint val="75000"/>
@@ -892,9 +892,9 @@
                 </a:solidFill>
               </a:defRPr>
             </a:lvl2pPr>
-            <a:lvl3pPr marL="691286" indent="0">
-              <a:buNone/>
-              <a:defRPr sz="1361">
+            <a:lvl3pPr marL="816011" indent="0">
+              <a:buNone/>
+              <a:defRPr sz="1606">
                 <a:solidFill>
                   <a:schemeClr val="tx1">
                     <a:tint val="75000"/>
@@ -902,9 +902,9 @@
                 </a:solidFill>
               </a:defRPr>
             </a:lvl3pPr>
-            <a:lvl4pPr marL="1036930" indent="0">
-              <a:buNone/>
-              <a:defRPr sz="1210">
+            <a:lvl4pPr marL="1224016" indent="0">
+              <a:buNone/>
+              <a:defRPr sz="1428">
                 <a:solidFill>
                   <a:schemeClr val="tx1">
                     <a:tint val="75000"/>
@@ -912,9 +912,9 @@
                 </a:solidFill>
               </a:defRPr>
             </a:lvl4pPr>
-            <a:lvl5pPr marL="1382573" indent="0">
-              <a:buNone/>
-              <a:defRPr sz="1210">
+            <a:lvl5pPr marL="1632021" indent="0">
+              <a:buNone/>
+              <a:defRPr sz="1428">
                 <a:solidFill>
                   <a:schemeClr val="tx1">
                     <a:tint val="75000"/>
@@ -922,9 +922,9 @@
                 </a:solidFill>
               </a:defRPr>
             </a:lvl5pPr>
-            <a:lvl6pPr marL="1728216" indent="0">
-              <a:buNone/>
-              <a:defRPr sz="1210">
+            <a:lvl6pPr marL="2040026" indent="0">
+              <a:buNone/>
+              <a:defRPr sz="1428">
                 <a:solidFill>
                   <a:schemeClr val="tx1">
                     <a:tint val="75000"/>
@@ -932,9 +932,9 @@
                 </a:solidFill>
               </a:defRPr>
             </a:lvl6pPr>
-            <a:lvl7pPr marL="2073859" indent="0">
-              <a:buNone/>
-              <a:defRPr sz="1210">
+            <a:lvl7pPr marL="2448032" indent="0">
+              <a:buNone/>
+              <a:defRPr sz="1428">
                 <a:solidFill>
                   <a:schemeClr val="tx1">
                     <a:tint val="75000"/>
@@ -942,9 +942,9 @@
                 </a:solidFill>
               </a:defRPr>
             </a:lvl7pPr>
-            <a:lvl8pPr marL="2419502" indent="0">
-              <a:buNone/>
-              <a:defRPr sz="1210">
+            <a:lvl8pPr marL="2856037" indent="0">
+              <a:buNone/>
+              <a:defRPr sz="1428">
                 <a:solidFill>
                   <a:schemeClr val="tx1">
                     <a:tint val="75000"/>
@@ -952,9 +952,9 @@
                 </a:solidFill>
               </a:defRPr>
             </a:lvl8pPr>
-            <a:lvl9pPr marL="2765146" indent="0">
-              <a:buNone/>
-              <a:defRPr sz="1210">
+            <a:lvl9pPr marL="3264042" indent="0">
+              <a:buNone/>
+              <a:defRPr sz="1428">
                 <a:solidFill>
                   <a:schemeClr val="tx1">
                     <a:tint val="75000"/>
@@ -989,7 +989,7 @@
           <a:p>
             <a:fld id="{103B48E4-33E3-3D49-B47C-7E1F93DC6F9E}" type="datetimeFigureOut">
               <a:rPr lang="de-DE" smtClean="0"/>
-              <a:t>21.07.17</a:t>
+              <a:t>26.07.17</a:t>
             </a:fld>
             <a:endParaRPr lang="de-DE"/>
           </a:p>
@@ -1097,8 +1097,8 @@
         </p:nvSpPr>
         <p:spPr>
           <a:xfrm>
-            <a:off x="838200" y="1380206"/>
-            <a:ext cx="5181600" cy="3289692"/>
+            <a:off x="866249" y="1629117"/>
+            <a:ext cx="5354995" cy="3882965"/>
           </a:xfrm>
         </p:spPr>
         <p:txBody>
@@ -1154,8 +1154,8 @@
         </p:nvSpPr>
         <p:spPr>
           <a:xfrm>
-            <a:off x="6172200" y="1380206"/>
-            <a:ext cx="5181600" cy="3289692"/>
+            <a:off x="6378744" y="1629117"/>
+            <a:ext cx="5354995" cy="3882965"/>
           </a:xfrm>
         </p:spPr>
         <p:txBody>
@@ -1216,7 +1216,7 @@
           <a:p>
             <a:fld id="{103B48E4-33E3-3D49-B47C-7E1F93DC6F9E}" type="datetimeFigureOut">
               <a:rPr lang="de-DE" smtClean="0"/>
-              <a:t>21.07.17</a:t>
+              <a:t>26.07.17</a:t>
             </a:fld>
             <a:endParaRPr lang="de-DE"/>
           </a:p>
@@ -1301,8 +1301,8 @@
         </p:nvSpPr>
         <p:spPr>
           <a:xfrm>
-            <a:off x="839788" y="276042"/>
-            <a:ext cx="10515600" cy="1002150"/>
+            <a:off x="867890" y="325824"/>
+            <a:ext cx="10867490" cy="1182881"/>
           </a:xfrm>
         </p:spPr>
         <p:txBody>
@@ -1329,8 +1329,8 @@
         </p:nvSpPr>
         <p:spPr>
           <a:xfrm>
-            <a:off x="839789" y="1270990"/>
-            <a:ext cx="5157787" cy="622893"/>
+            <a:off x="867891" y="1500205"/>
+            <a:ext cx="5330385" cy="735227"/>
           </a:xfrm>
         </p:spPr>
         <p:txBody>
@@ -1338,39 +1338,39 @@
           <a:lstStyle>
             <a:lvl1pPr marL="0" indent="0">
               <a:buNone/>
-              <a:defRPr sz="1814" b="1"/>
+              <a:defRPr sz="2142" b="1"/>
             </a:lvl1pPr>
-            <a:lvl2pPr marL="345643" indent="0">
-              <a:buNone/>
-              <a:defRPr sz="1512" b="1"/>
+            <a:lvl2pPr marL="408005" indent="0">
+              <a:buNone/>
+              <a:defRPr sz="1785" b="1"/>
             </a:lvl2pPr>
-            <a:lvl3pPr marL="691286" indent="0">
-              <a:buNone/>
-              <a:defRPr sz="1361" b="1"/>
+            <a:lvl3pPr marL="816011" indent="0">
+              <a:buNone/>
+              <a:defRPr sz="1606" b="1"/>
             </a:lvl3pPr>
-            <a:lvl4pPr marL="1036930" indent="0">
-              <a:buNone/>
-              <a:defRPr sz="1210" b="1"/>
+            <a:lvl4pPr marL="1224016" indent="0">
+              <a:buNone/>
+              <a:defRPr sz="1428" b="1"/>
             </a:lvl4pPr>
-            <a:lvl5pPr marL="1382573" indent="0">
-              <a:buNone/>
-              <a:defRPr sz="1210" b="1"/>
+            <a:lvl5pPr marL="1632021" indent="0">
+              <a:buNone/>
+              <a:defRPr sz="1428" b="1"/>
             </a:lvl5pPr>
-            <a:lvl6pPr marL="1728216" indent="0">
-              <a:buNone/>
-              <a:defRPr sz="1210" b="1"/>
+            <a:lvl6pPr marL="2040026" indent="0">
+              <a:buNone/>
+              <a:defRPr sz="1428" b="1"/>
             </a:lvl6pPr>
-            <a:lvl7pPr marL="2073859" indent="0">
-              <a:buNone/>
-              <a:defRPr sz="1210" b="1"/>
+            <a:lvl7pPr marL="2448032" indent="0">
+              <a:buNone/>
+              <a:defRPr sz="1428" b="1"/>
             </a:lvl7pPr>
-            <a:lvl8pPr marL="2419502" indent="0">
-              <a:buNone/>
-              <a:defRPr sz="1210" b="1"/>
+            <a:lvl8pPr marL="2856037" indent="0">
+              <a:buNone/>
+              <a:defRPr sz="1428" b="1"/>
             </a:lvl8pPr>
-            <a:lvl9pPr marL="2765146" indent="0">
-              <a:buNone/>
-              <a:defRPr sz="1210" b="1"/>
+            <a:lvl9pPr marL="3264042" indent="0">
+              <a:buNone/>
+              <a:defRPr sz="1428" b="1"/>
             </a:lvl9pPr>
           </a:lstStyle>
           <a:p>
@@ -1394,8 +1394,8 @@
         </p:nvSpPr>
         <p:spPr>
           <a:xfrm>
-            <a:off x="839789" y="1893883"/>
-            <a:ext cx="5157787" cy="2785617"/>
+            <a:off x="867891" y="2235432"/>
+            <a:ext cx="5330385" cy="3287983"/>
           </a:xfrm>
         </p:spPr>
         <p:txBody>
@@ -1451,8 +1451,8 @@
         </p:nvSpPr>
         <p:spPr>
           <a:xfrm>
-            <a:off x="6172200" y="1270990"/>
-            <a:ext cx="5183188" cy="622893"/>
+            <a:off x="6378744" y="1500205"/>
+            <a:ext cx="5356636" cy="735227"/>
           </a:xfrm>
         </p:spPr>
         <p:txBody>
@@ -1460,39 +1460,39 @@
           <a:lstStyle>
             <a:lvl1pPr marL="0" indent="0">
               <a:buNone/>
-              <a:defRPr sz="1814" b="1"/>
+              <a:defRPr sz="2142" b="1"/>
             </a:lvl1pPr>
-            <a:lvl2pPr marL="345643" indent="0">
-              <a:buNone/>
-              <a:defRPr sz="1512" b="1"/>
+            <a:lvl2pPr marL="408005" indent="0">
+              <a:buNone/>
+              <a:defRPr sz="1785" b="1"/>
             </a:lvl2pPr>
-            <a:lvl3pPr marL="691286" indent="0">
-              <a:buNone/>
-              <a:defRPr sz="1361" b="1"/>
+            <a:lvl3pPr marL="816011" indent="0">
+              <a:buNone/>
+              <a:defRPr sz="1606" b="1"/>
             </a:lvl3pPr>
-            <a:lvl4pPr marL="1036930" indent="0">
-              <a:buNone/>
-              <a:defRPr sz="1210" b="1"/>
+            <a:lvl4pPr marL="1224016" indent="0">
+              <a:buNone/>
+              <a:defRPr sz="1428" b="1"/>
             </a:lvl4pPr>
-            <a:lvl5pPr marL="1382573" indent="0">
-              <a:buNone/>
-              <a:defRPr sz="1210" b="1"/>
+            <a:lvl5pPr marL="1632021" indent="0">
+              <a:buNone/>
+              <a:defRPr sz="1428" b="1"/>
             </a:lvl5pPr>
-            <a:lvl6pPr marL="1728216" indent="0">
-              <a:buNone/>
-              <a:defRPr sz="1210" b="1"/>
+            <a:lvl6pPr marL="2040026" indent="0">
+              <a:buNone/>
+              <a:defRPr sz="1428" b="1"/>
             </a:lvl6pPr>
-            <a:lvl7pPr marL="2073859" indent="0">
-              <a:buNone/>
-              <a:defRPr sz="1210" b="1"/>
+            <a:lvl7pPr marL="2448032" indent="0">
+              <a:buNone/>
+              <a:defRPr sz="1428" b="1"/>
             </a:lvl7pPr>
-            <a:lvl8pPr marL="2419502" indent="0">
-              <a:buNone/>
-              <a:defRPr sz="1210" b="1"/>
+            <a:lvl8pPr marL="2856037" indent="0">
+              <a:buNone/>
+              <a:defRPr sz="1428" b="1"/>
             </a:lvl8pPr>
-            <a:lvl9pPr marL="2765146" indent="0">
-              <a:buNone/>
-              <a:defRPr sz="1210" b="1"/>
+            <a:lvl9pPr marL="3264042" indent="0">
+              <a:buNone/>
+              <a:defRPr sz="1428" b="1"/>
             </a:lvl9pPr>
           </a:lstStyle>
           <a:p>
@@ -1516,8 +1516,8 @@
         </p:nvSpPr>
         <p:spPr>
           <a:xfrm>
-            <a:off x="6172200" y="1893883"/>
-            <a:ext cx="5183188" cy="2785617"/>
+            <a:off x="6378744" y="2235432"/>
+            <a:ext cx="5356636" cy="3287983"/>
           </a:xfrm>
         </p:spPr>
         <p:txBody>
@@ -1578,7 +1578,7 @@
           <a:p>
             <a:fld id="{103B48E4-33E3-3D49-B47C-7E1F93DC6F9E}" type="datetimeFigureOut">
               <a:rPr lang="de-DE" smtClean="0"/>
-              <a:t>21.07.17</a:t>
+              <a:t>26.07.17</a:t>
             </a:fld>
             <a:endParaRPr lang="de-DE"/>
           </a:p>
@@ -1691,7 +1691,7 @@
           <a:p>
             <a:fld id="{103B48E4-33E3-3D49-B47C-7E1F93DC6F9E}" type="datetimeFigureOut">
               <a:rPr lang="de-DE" smtClean="0"/>
-              <a:t>21.07.17</a:t>
+              <a:t>26.07.17</a:t>
             </a:fld>
             <a:endParaRPr lang="de-DE"/>
           </a:p>
@@ -1781,7 +1781,7 @@
           <a:p>
             <a:fld id="{103B48E4-33E3-3D49-B47C-7E1F93DC6F9E}" type="datetimeFigureOut">
               <a:rPr lang="de-DE" smtClean="0"/>
-              <a:t>21.07.17</a:t>
+              <a:t>26.07.17</a:t>
             </a:fld>
             <a:endParaRPr lang="de-DE"/>
           </a:p>
@@ -1866,15 +1866,15 @@
         </p:nvSpPr>
         <p:spPr>
           <a:xfrm>
-            <a:off x="839789" y="345652"/>
-            <a:ext cx="3932237" cy="1209781"/>
+            <a:off x="867891" y="407988"/>
+            <a:ext cx="4063824" cy="1427956"/>
           </a:xfrm>
         </p:spPr>
         <p:txBody>
           <a:bodyPr anchor="b"/>
           <a:lstStyle>
             <a:lvl1pPr>
-              <a:defRPr sz="2419"/>
+              <a:defRPr sz="2856"/>
             </a:lvl1pPr>
           </a:lstStyle>
           <a:p>
@@ -1898,39 +1898,39 @@
         </p:nvSpPr>
         <p:spPr>
           <a:xfrm>
-            <a:off x="5183188" y="746512"/>
-            <a:ext cx="6172200" cy="3684551"/>
+            <a:off x="5356636" y="881140"/>
+            <a:ext cx="6378744" cy="4349034"/>
           </a:xfrm>
         </p:spPr>
         <p:txBody>
           <a:bodyPr/>
           <a:lstStyle>
             <a:lvl1pPr>
-              <a:defRPr sz="2419"/>
+              <a:defRPr sz="2856"/>
             </a:lvl1pPr>
             <a:lvl2pPr>
-              <a:defRPr sz="2117"/>
+              <a:defRPr sz="2499"/>
             </a:lvl2pPr>
             <a:lvl3pPr>
-              <a:defRPr sz="1814"/>
+              <a:defRPr sz="2142"/>
             </a:lvl3pPr>
             <a:lvl4pPr>
-              <a:defRPr sz="1512"/>
+              <a:defRPr sz="1785"/>
             </a:lvl4pPr>
             <a:lvl5pPr>
-              <a:defRPr sz="1512"/>
+              <a:defRPr sz="1785"/>
             </a:lvl5pPr>
             <a:lvl6pPr>
-              <a:defRPr sz="1512"/>
+              <a:defRPr sz="1785"/>
             </a:lvl6pPr>
             <a:lvl7pPr>
-              <a:defRPr sz="1512"/>
+              <a:defRPr sz="1785"/>
             </a:lvl7pPr>
             <a:lvl8pPr>
-              <a:defRPr sz="1512"/>
+              <a:defRPr sz="1785"/>
             </a:lvl8pPr>
             <a:lvl9pPr>
-              <a:defRPr sz="1512"/>
+              <a:defRPr sz="1785"/>
             </a:lvl9pPr>
           </a:lstStyle>
           <a:p>
@@ -1983,8 +1983,8 @@
         </p:nvSpPr>
         <p:spPr>
           <a:xfrm>
-            <a:off x="839789" y="1555433"/>
-            <a:ext cx="3932237" cy="2881631"/>
+            <a:off x="867891" y="1835944"/>
+            <a:ext cx="4063824" cy="3401313"/>
           </a:xfrm>
         </p:spPr>
         <p:txBody>
@@ -1992,39 +1992,39 @@
           <a:lstStyle>
             <a:lvl1pPr marL="0" indent="0">
               <a:buNone/>
-              <a:defRPr sz="1210"/>
+              <a:defRPr sz="1428"/>
             </a:lvl1pPr>
-            <a:lvl2pPr marL="345643" indent="0">
-              <a:buNone/>
-              <a:defRPr sz="1058"/>
+            <a:lvl2pPr marL="408005" indent="0">
+              <a:buNone/>
+              <a:defRPr sz="1249"/>
             </a:lvl2pPr>
-            <a:lvl3pPr marL="691286" indent="0">
-              <a:buNone/>
-              <a:defRPr sz="907"/>
+            <a:lvl3pPr marL="816011" indent="0">
+              <a:buNone/>
+              <a:defRPr sz="1071"/>
             </a:lvl3pPr>
-            <a:lvl4pPr marL="1036930" indent="0">
-              <a:buNone/>
-              <a:defRPr sz="756"/>
+            <a:lvl4pPr marL="1224016" indent="0">
+              <a:buNone/>
+              <a:defRPr sz="892"/>
             </a:lvl4pPr>
-            <a:lvl5pPr marL="1382573" indent="0">
-              <a:buNone/>
-              <a:defRPr sz="756"/>
+            <a:lvl5pPr marL="1632021" indent="0">
+              <a:buNone/>
+              <a:defRPr sz="892"/>
             </a:lvl5pPr>
-            <a:lvl6pPr marL="1728216" indent="0">
-              <a:buNone/>
-              <a:defRPr sz="756"/>
+            <a:lvl6pPr marL="2040026" indent="0">
+              <a:buNone/>
+              <a:defRPr sz="892"/>
             </a:lvl6pPr>
-            <a:lvl7pPr marL="2073859" indent="0">
-              <a:buNone/>
-              <a:defRPr sz="756"/>
+            <a:lvl7pPr marL="2448032" indent="0">
+              <a:buNone/>
+              <a:defRPr sz="892"/>
             </a:lvl7pPr>
-            <a:lvl8pPr marL="2419502" indent="0">
-              <a:buNone/>
-              <a:defRPr sz="756"/>
+            <a:lvl8pPr marL="2856037" indent="0">
+              <a:buNone/>
+              <a:defRPr sz="892"/>
             </a:lvl8pPr>
-            <a:lvl9pPr marL="2765146" indent="0">
-              <a:buNone/>
-              <a:defRPr sz="756"/>
+            <a:lvl9pPr marL="3264042" indent="0">
+              <a:buNone/>
+              <a:defRPr sz="892"/>
             </a:lvl9pPr>
           </a:lstStyle>
           <a:p>
@@ -2053,7 +2053,7 @@
           <a:p>
             <a:fld id="{103B48E4-33E3-3D49-B47C-7E1F93DC6F9E}" type="datetimeFigureOut">
               <a:rPr lang="de-DE" smtClean="0"/>
-              <a:t>21.07.17</a:t>
+              <a:t>26.07.17</a:t>
             </a:fld>
             <a:endParaRPr lang="de-DE"/>
           </a:p>
@@ -2138,15 +2138,15 @@
         </p:nvSpPr>
         <p:spPr>
           <a:xfrm>
-            <a:off x="839789" y="345652"/>
-            <a:ext cx="3932237" cy="1209781"/>
+            <a:off x="867891" y="407988"/>
+            <a:ext cx="4063824" cy="1427956"/>
           </a:xfrm>
         </p:spPr>
         <p:txBody>
           <a:bodyPr anchor="b"/>
           <a:lstStyle>
             <a:lvl1pPr>
-              <a:defRPr sz="2419"/>
+              <a:defRPr sz="2856"/>
             </a:lvl1pPr>
           </a:lstStyle>
           <a:p>
@@ -2170,8 +2170,8 @@
         </p:nvSpPr>
         <p:spPr>
           <a:xfrm>
-            <a:off x="5183188" y="746512"/>
-            <a:ext cx="6172200" cy="3684551"/>
+            <a:off x="5356636" y="881140"/>
+            <a:ext cx="6378744" cy="4349034"/>
           </a:xfrm>
         </p:spPr>
         <p:txBody>
@@ -2179,39 +2179,39 @@
           <a:lstStyle>
             <a:lvl1pPr marL="0" indent="0">
               <a:buNone/>
-              <a:defRPr sz="2419"/>
+              <a:defRPr sz="2856"/>
             </a:lvl1pPr>
-            <a:lvl2pPr marL="345643" indent="0">
-              <a:buNone/>
-              <a:defRPr sz="2117"/>
+            <a:lvl2pPr marL="408005" indent="0">
+              <a:buNone/>
+              <a:defRPr sz="2499"/>
             </a:lvl2pPr>
-            <a:lvl3pPr marL="691286" indent="0">
-              <a:buNone/>
-              <a:defRPr sz="1814"/>
+            <a:lvl3pPr marL="816011" indent="0">
+              <a:buNone/>
+              <a:defRPr sz="2142"/>
             </a:lvl3pPr>
-            <a:lvl4pPr marL="1036930" indent="0">
-              <a:buNone/>
-              <a:defRPr sz="1512"/>
+            <a:lvl4pPr marL="1224016" indent="0">
+              <a:buNone/>
+              <a:defRPr sz="1785"/>
             </a:lvl4pPr>
-            <a:lvl5pPr marL="1382573" indent="0">
-              <a:buNone/>
-              <a:defRPr sz="1512"/>
+            <a:lvl5pPr marL="1632021" indent="0">
+              <a:buNone/>
+              <a:defRPr sz="1785"/>
             </a:lvl5pPr>
-            <a:lvl6pPr marL="1728216" indent="0">
-              <a:buNone/>
-              <a:defRPr sz="1512"/>
+            <a:lvl6pPr marL="2040026" indent="0">
+              <a:buNone/>
+              <a:defRPr sz="1785"/>
             </a:lvl6pPr>
-            <a:lvl7pPr marL="2073859" indent="0">
-              <a:buNone/>
-              <a:defRPr sz="1512"/>
+            <a:lvl7pPr marL="2448032" indent="0">
+              <a:buNone/>
+              <a:defRPr sz="1785"/>
             </a:lvl7pPr>
-            <a:lvl8pPr marL="2419502" indent="0">
-              <a:buNone/>
-              <a:defRPr sz="1512"/>
+            <a:lvl8pPr marL="2856037" indent="0">
+              <a:buNone/>
+              <a:defRPr sz="1785"/>
             </a:lvl8pPr>
-            <a:lvl9pPr marL="2765146" indent="0">
-              <a:buNone/>
-              <a:defRPr sz="1512"/>
+            <a:lvl9pPr marL="3264042" indent="0">
+              <a:buNone/>
+              <a:defRPr sz="1785"/>
             </a:lvl9pPr>
           </a:lstStyle>
           <a:p>
@@ -2235,8 +2235,8 @@
         </p:nvSpPr>
         <p:spPr>
           <a:xfrm>
-            <a:off x="839789" y="1555433"/>
-            <a:ext cx="3932237" cy="2881631"/>
+            <a:off x="867891" y="1835944"/>
+            <a:ext cx="4063824" cy="3401313"/>
           </a:xfrm>
         </p:spPr>
         <p:txBody>
@@ -2244,39 +2244,39 @@
           <a:lstStyle>
             <a:lvl1pPr marL="0" indent="0">
               <a:buNone/>
-              <a:defRPr sz="1210"/>
+              <a:defRPr sz="1428"/>
             </a:lvl1pPr>
-            <a:lvl2pPr marL="345643" indent="0">
-              <a:buNone/>
-              <a:defRPr sz="1058"/>
+            <a:lvl2pPr marL="408005" indent="0">
+              <a:buNone/>
+              <a:defRPr sz="1249"/>
             </a:lvl2pPr>
-            <a:lvl3pPr marL="691286" indent="0">
-              <a:buNone/>
-              <a:defRPr sz="907"/>
+            <a:lvl3pPr marL="816011" indent="0">
+              <a:buNone/>
+              <a:defRPr sz="1071"/>
             </a:lvl3pPr>
-            <a:lvl4pPr marL="1036930" indent="0">
-              <a:buNone/>
-              <a:defRPr sz="756"/>
+            <a:lvl4pPr marL="1224016" indent="0">
+              <a:buNone/>
+              <a:defRPr sz="892"/>
             </a:lvl4pPr>
-            <a:lvl5pPr marL="1382573" indent="0">
-              <a:buNone/>
-              <a:defRPr sz="756"/>
+            <a:lvl5pPr marL="1632021" indent="0">
+              <a:buNone/>
+              <a:defRPr sz="892"/>
             </a:lvl5pPr>
-            <a:lvl6pPr marL="1728216" indent="0">
-              <a:buNone/>
-              <a:defRPr sz="756"/>
+            <a:lvl6pPr marL="2040026" indent="0">
+              <a:buNone/>
+              <a:defRPr sz="892"/>
             </a:lvl6pPr>
-            <a:lvl7pPr marL="2073859" indent="0">
-              <a:buNone/>
-              <a:defRPr sz="756"/>
+            <a:lvl7pPr marL="2448032" indent="0">
+              <a:buNone/>
+              <a:defRPr sz="892"/>
             </a:lvl7pPr>
-            <a:lvl8pPr marL="2419502" indent="0">
-              <a:buNone/>
-              <a:defRPr sz="756"/>
+            <a:lvl8pPr marL="2856037" indent="0">
+              <a:buNone/>
+              <a:defRPr sz="892"/>
             </a:lvl8pPr>
-            <a:lvl9pPr marL="2765146" indent="0">
-              <a:buNone/>
-              <a:defRPr sz="756"/>
+            <a:lvl9pPr marL="3264042" indent="0">
+              <a:buNone/>
+              <a:defRPr sz="892"/>
             </a:lvl9pPr>
           </a:lstStyle>
           <a:p>
@@ -2305,7 +2305,7 @@
           <a:p>
             <a:fld id="{103B48E4-33E3-3D49-B47C-7E1F93DC6F9E}" type="datetimeFigureOut">
               <a:rPr lang="de-DE" smtClean="0"/>
-              <a:t>21.07.17</a:t>
+              <a:t>26.07.17</a:t>
             </a:fld>
             <a:endParaRPr lang="de-DE"/>
           </a:p>
@@ -2395,8 +2395,8 @@
         </p:nvSpPr>
         <p:spPr>
           <a:xfrm>
-            <a:off x="838200" y="276042"/>
-            <a:ext cx="10515600" cy="1002150"/>
+            <a:off x="866249" y="325824"/>
+            <a:ext cx="10867490" cy="1182881"/>
           </a:xfrm>
           <a:prstGeom prst="rect">
             <a:avLst/>
@@ -2428,8 +2428,8 @@
         </p:nvSpPr>
         <p:spPr>
           <a:xfrm>
-            <a:off x="838200" y="1380206"/>
-            <a:ext cx="10515600" cy="3289692"/>
+            <a:off x="866249" y="1629117"/>
+            <a:ext cx="10867490" cy="3882965"/>
           </a:xfrm>
           <a:prstGeom prst="rect">
             <a:avLst/>
@@ -2490,8 +2490,8 @@
         </p:nvSpPr>
         <p:spPr>
           <a:xfrm>
-            <a:off x="838200" y="4805519"/>
-            <a:ext cx="2743200" cy="276041"/>
+            <a:off x="866249" y="5672161"/>
+            <a:ext cx="2834997" cy="325823"/>
           </a:xfrm>
           <a:prstGeom prst="rect">
             <a:avLst/>
@@ -2501,7 +2501,7 @@
           <a:bodyPr vert="horz" lIns="91440" tIns="45720" rIns="91440" bIns="45720" rtlCol="0" anchor="ctr"/>
           <a:lstStyle>
             <a:lvl1pPr algn="l">
-              <a:defRPr sz="907">
+              <a:defRPr sz="1071">
                 <a:solidFill>
                   <a:schemeClr val="tx1">
                     <a:tint val="75000"/>
@@ -2513,7 +2513,7 @@
           <a:p>
             <a:fld id="{103B48E4-33E3-3D49-B47C-7E1F93DC6F9E}" type="datetimeFigureOut">
               <a:rPr lang="de-DE" smtClean="0"/>
-              <a:t>21.07.17</a:t>
+              <a:t>26.07.17</a:t>
             </a:fld>
             <a:endParaRPr lang="de-DE"/>
           </a:p>
@@ -2531,8 +2531,8 @@
         </p:nvSpPr>
         <p:spPr>
           <a:xfrm>
-            <a:off x="4038600" y="4805519"/>
-            <a:ext cx="4114800" cy="276041"/>
+            <a:off x="4173746" y="5672161"/>
+            <a:ext cx="4252496" cy="325823"/>
           </a:xfrm>
           <a:prstGeom prst="rect">
             <a:avLst/>
@@ -2542,7 +2542,7 @@
           <a:bodyPr vert="horz" lIns="91440" tIns="45720" rIns="91440" bIns="45720" rtlCol="0" anchor="ctr"/>
           <a:lstStyle>
             <a:lvl1pPr algn="ctr">
-              <a:defRPr sz="907">
+              <a:defRPr sz="1071">
                 <a:solidFill>
                   <a:schemeClr val="tx1">
                     <a:tint val="75000"/>
@@ -2568,8 +2568,8 @@
         </p:nvSpPr>
         <p:spPr>
           <a:xfrm>
-            <a:off x="8610600" y="4805519"/>
-            <a:ext cx="2743200" cy="276041"/>
+            <a:off x="8898742" y="5672161"/>
+            <a:ext cx="2834997" cy="325823"/>
           </a:xfrm>
           <a:prstGeom prst="rect">
             <a:avLst/>
@@ -2579,7 +2579,7 @@
           <a:bodyPr vert="horz" lIns="91440" tIns="45720" rIns="91440" bIns="45720" rtlCol="0" anchor="ctr"/>
           <a:lstStyle>
             <a:lvl1pPr algn="r">
-              <a:defRPr sz="907">
+              <a:defRPr sz="1071">
                 <a:solidFill>
                   <a:schemeClr val="tx1">
                     <a:tint val="75000"/>
@@ -2600,27 +2600,27 @@
     </p:spTree>
     <p:extLst>
       <p:ext uri="{BB962C8B-B14F-4D97-AF65-F5344CB8AC3E}">
-        <p14:creationId xmlns:p14="http://schemas.microsoft.com/office/powerpoint/2010/main" val="1763892476"/>
+        <p14:creationId xmlns:p14="http://schemas.microsoft.com/office/powerpoint/2010/main" val="281897879"/>
       </p:ext>
     </p:extLst>
   </p:cSld>
   <p:clrMap bg1="lt1" tx1="dk1" bg2="lt2" tx2="dk2" accent1="accent1" accent2="accent2" accent3="accent3" accent4="accent4" accent5="accent5" accent6="accent6" hlink="hlink" folHlink="folHlink"/>
   <p:sldLayoutIdLst>
-    <p:sldLayoutId id="2147483709" r:id="rId1"/>
-    <p:sldLayoutId id="2147483710" r:id="rId2"/>
-    <p:sldLayoutId id="2147483711" r:id="rId3"/>
-    <p:sldLayoutId id="2147483712" r:id="rId4"/>
-    <p:sldLayoutId id="2147483713" r:id="rId5"/>
-    <p:sldLayoutId id="2147483714" r:id="rId6"/>
-    <p:sldLayoutId id="2147483715" r:id="rId7"/>
-    <p:sldLayoutId id="2147483716" r:id="rId8"/>
-    <p:sldLayoutId id="2147483717" r:id="rId9"/>
-    <p:sldLayoutId id="2147483718" r:id="rId10"/>
-    <p:sldLayoutId id="2147483719" r:id="rId11"/>
+    <p:sldLayoutId id="2147483745" r:id="rId1"/>
+    <p:sldLayoutId id="2147483746" r:id="rId2"/>
+    <p:sldLayoutId id="2147483747" r:id="rId3"/>
+    <p:sldLayoutId id="2147483748" r:id="rId4"/>
+    <p:sldLayoutId id="2147483749" r:id="rId5"/>
+    <p:sldLayoutId id="2147483750" r:id="rId6"/>
+    <p:sldLayoutId id="2147483751" r:id="rId7"/>
+    <p:sldLayoutId id="2147483752" r:id="rId8"/>
+    <p:sldLayoutId id="2147483753" r:id="rId9"/>
+    <p:sldLayoutId id="2147483754" r:id="rId10"/>
+    <p:sldLayoutId id="2147483755" r:id="rId11"/>
   </p:sldLayoutIdLst>
   <p:txStyles>
     <p:titleStyle>
-      <a:lvl1pPr algn="l" defTabSz="691286" rtl="0" eaLnBrk="1" latinLnBrk="0" hangingPunct="1">
+      <a:lvl1pPr algn="l" defTabSz="816011" rtl="0" eaLnBrk="1" latinLnBrk="0" hangingPunct="1">
         <a:lnSpc>
           <a:spcPct val="90000"/>
         </a:lnSpc>
@@ -2628,7 +2628,7 @@
           <a:spcPct val="0"/>
         </a:spcBef>
         <a:buNone/>
-        <a:defRPr sz="3326" kern="1200">
+        <a:defRPr sz="3927" kern="1200">
           <a:solidFill>
             <a:schemeClr val="tx1"/>
           </a:solidFill>
@@ -2639,16 +2639,16 @@
       </a:lvl1pPr>
     </p:titleStyle>
     <p:bodyStyle>
-      <a:lvl1pPr marL="172822" indent="-172822" algn="l" defTabSz="691286" rtl="0" eaLnBrk="1" latinLnBrk="0" hangingPunct="1">
+      <a:lvl1pPr marL="204003" indent="-204003" algn="l" defTabSz="816011" rtl="0" eaLnBrk="1" latinLnBrk="0" hangingPunct="1">
         <a:lnSpc>
           <a:spcPct val="90000"/>
         </a:lnSpc>
         <a:spcBef>
-          <a:spcPts val="756"/>
+          <a:spcPts val="892"/>
         </a:spcBef>
         <a:buFont typeface="Arial" panose="020B0604020202020204" pitchFamily="34" charset="0"/>
         <a:buChar char="•"/>
-        <a:defRPr sz="2117" kern="1200">
+        <a:defRPr sz="2499" kern="1200">
           <a:solidFill>
             <a:schemeClr val="tx1"/>
           </a:solidFill>
@@ -2657,16 +2657,16 @@
           <a:cs typeface="+mn-cs"/>
         </a:defRPr>
       </a:lvl1pPr>
-      <a:lvl2pPr marL="518465" indent="-172822" algn="l" defTabSz="691286" rtl="0" eaLnBrk="1" latinLnBrk="0" hangingPunct="1">
+      <a:lvl2pPr marL="612008" indent="-204003" algn="l" defTabSz="816011" rtl="0" eaLnBrk="1" latinLnBrk="0" hangingPunct="1">
         <a:lnSpc>
           <a:spcPct val="90000"/>
         </a:lnSpc>
         <a:spcBef>
-          <a:spcPts val="378"/>
+          <a:spcPts val="446"/>
         </a:spcBef>
         <a:buFont typeface="Arial" panose="020B0604020202020204" pitchFamily="34" charset="0"/>
         <a:buChar char="•"/>
-        <a:defRPr sz="1814" kern="1200">
+        <a:defRPr sz="2142" kern="1200">
           <a:solidFill>
             <a:schemeClr val="tx1"/>
           </a:solidFill>
@@ -2675,16 +2675,16 @@
           <a:cs typeface="+mn-cs"/>
         </a:defRPr>
       </a:lvl2pPr>
-      <a:lvl3pPr marL="864108" indent="-172822" algn="l" defTabSz="691286" rtl="0" eaLnBrk="1" latinLnBrk="0" hangingPunct="1">
+      <a:lvl3pPr marL="1020013" indent="-204003" algn="l" defTabSz="816011" rtl="0" eaLnBrk="1" latinLnBrk="0" hangingPunct="1">
         <a:lnSpc>
           <a:spcPct val="90000"/>
         </a:lnSpc>
         <a:spcBef>
-          <a:spcPts val="378"/>
+          <a:spcPts val="446"/>
         </a:spcBef>
         <a:buFont typeface="Arial" panose="020B0604020202020204" pitchFamily="34" charset="0"/>
         <a:buChar char="•"/>
-        <a:defRPr sz="1512" kern="1200">
+        <a:defRPr sz="1785" kern="1200">
           <a:solidFill>
             <a:schemeClr val="tx1"/>
           </a:solidFill>
@@ -2693,16 +2693,16 @@
           <a:cs typeface="+mn-cs"/>
         </a:defRPr>
       </a:lvl3pPr>
-      <a:lvl4pPr marL="1209751" indent="-172822" algn="l" defTabSz="691286" rtl="0" eaLnBrk="1" latinLnBrk="0" hangingPunct="1">
+      <a:lvl4pPr marL="1428018" indent="-204003" algn="l" defTabSz="816011" rtl="0" eaLnBrk="1" latinLnBrk="0" hangingPunct="1">
         <a:lnSpc>
           <a:spcPct val="90000"/>
         </a:lnSpc>
         <a:spcBef>
-          <a:spcPts val="378"/>
+          <a:spcPts val="446"/>
         </a:spcBef>
         <a:buFont typeface="Arial" panose="020B0604020202020204" pitchFamily="34" charset="0"/>
         <a:buChar char="•"/>
-        <a:defRPr sz="1361" kern="1200">
+        <a:defRPr sz="1606" kern="1200">
           <a:solidFill>
             <a:schemeClr val="tx1"/>
           </a:solidFill>
@@ -2711,16 +2711,16 @@
           <a:cs typeface="+mn-cs"/>
         </a:defRPr>
       </a:lvl4pPr>
-      <a:lvl5pPr marL="1555394" indent="-172822" algn="l" defTabSz="691286" rtl="0" eaLnBrk="1" latinLnBrk="0" hangingPunct="1">
+      <a:lvl5pPr marL="1836024" indent="-204003" algn="l" defTabSz="816011" rtl="0" eaLnBrk="1" latinLnBrk="0" hangingPunct="1">
         <a:lnSpc>
           <a:spcPct val="90000"/>
         </a:lnSpc>
         <a:spcBef>
-          <a:spcPts val="378"/>
+          <a:spcPts val="446"/>
         </a:spcBef>
         <a:buFont typeface="Arial" panose="020B0604020202020204" pitchFamily="34" charset="0"/>
         <a:buChar char="•"/>
-        <a:defRPr sz="1361" kern="1200">
+        <a:defRPr sz="1606" kern="1200">
           <a:solidFill>
             <a:schemeClr val="tx1"/>
           </a:solidFill>
@@ -2729,16 +2729,16 @@
           <a:cs typeface="+mn-cs"/>
         </a:defRPr>
       </a:lvl5pPr>
-      <a:lvl6pPr marL="1901038" indent="-172822" algn="l" defTabSz="691286" rtl="0" eaLnBrk="1" latinLnBrk="0" hangingPunct="1">
+      <a:lvl6pPr marL="2244029" indent="-204003" algn="l" defTabSz="816011" rtl="0" eaLnBrk="1" latinLnBrk="0" hangingPunct="1">
         <a:lnSpc>
           <a:spcPct val="90000"/>
         </a:lnSpc>
         <a:spcBef>
-          <a:spcPts val="378"/>
+          <a:spcPts val="446"/>
         </a:spcBef>
         <a:buFont typeface="Arial" panose="020B0604020202020204" pitchFamily="34" charset="0"/>
         <a:buChar char="•"/>
-        <a:defRPr sz="1361" kern="1200">
+        <a:defRPr sz="1606" kern="1200">
           <a:solidFill>
             <a:schemeClr val="tx1"/>
           </a:solidFill>
@@ -2747,16 +2747,16 @@
           <a:cs typeface="+mn-cs"/>
         </a:defRPr>
       </a:lvl6pPr>
-      <a:lvl7pPr marL="2246681" indent="-172822" algn="l" defTabSz="691286" rtl="0" eaLnBrk="1" latinLnBrk="0" hangingPunct="1">
+      <a:lvl7pPr marL="2652034" indent="-204003" algn="l" defTabSz="816011" rtl="0" eaLnBrk="1" latinLnBrk="0" hangingPunct="1">
         <a:lnSpc>
           <a:spcPct val="90000"/>
         </a:lnSpc>
         <a:spcBef>
-          <a:spcPts val="378"/>
+          <a:spcPts val="446"/>
         </a:spcBef>
         <a:buFont typeface="Arial" panose="020B0604020202020204" pitchFamily="34" charset="0"/>
         <a:buChar char="•"/>
-        <a:defRPr sz="1361" kern="1200">
+        <a:defRPr sz="1606" kern="1200">
           <a:solidFill>
             <a:schemeClr val="tx1"/>
           </a:solidFill>
@@ -2765,16 +2765,16 @@
           <a:cs typeface="+mn-cs"/>
         </a:defRPr>
       </a:lvl7pPr>
-      <a:lvl8pPr marL="2592324" indent="-172822" algn="l" defTabSz="691286" rtl="0" eaLnBrk="1" latinLnBrk="0" hangingPunct="1">
+      <a:lvl8pPr marL="3060040" indent="-204003" algn="l" defTabSz="816011" rtl="0" eaLnBrk="1" latinLnBrk="0" hangingPunct="1">
         <a:lnSpc>
           <a:spcPct val="90000"/>
         </a:lnSpc>
         <a:spcBef>
-          <a:spcPts val="378"/>
+          <a:spcPts val="446"/>
         </a:spcBef>
         <a:buFont typeface="Arial" panose="020B0604020202020204" pitchFamily="34" charset="0"/>
         <a:buChar char="•"/>
-        <a:defRPr sz="1361" kern="1200">
+        <a:defRPr sz="1606" kern="1200">
           <a:solidFill>
             <a:schemeClr val="tx1"/>
           </a:solidFill>
@@ -2783,16 +2783,16 @@
           <a:cs typeface="+mn-cs"/>
         </a:defRPr>
       </a:lvl8pPr>
-      <a:lvl9pPr marL="2937967" indent="-172822" algn="l" defTabSz="691286" rtl="0" eaLnBrk="1" latinLnBrk="0" hangingPunct="1">
+      <a:lvl9pPr marL="3468045" indent="-204003" algn="l" defTabSz="816011" rtl="0" eaLnBrk="1" latinLnBrk="0" hangingPunct="1">
         <a:lnSpc>
           <a:spcPct val="90000"/>
         </a:lnSpc>
         <a:spcBef>
-          <a:spcPts val="378"/>
+          <a:spcPts val="446"/>
         </a:spcBef>
         <a:buFont typeface="Arial" panose="020B0604020202020204" pitchFamily="34" charset="0"/>
         <a:buChar char="•"/>
-        <a:defRPr sz="1361" kern="1200">
+        <a:defRPr sz="1606" kern="1200">
           <a:solidFill>
             <a:schemeClr val="tx1"/>
           </a:solidFill>
@@ -2806,8 +2806,8 @@
       <a:defPPr>
         <a:defRPr lang="en-US"/>
       </a:defPPr>
-      <a:lvl1pPr marL="0" algn="l" defTabSz="691286" rtl="0" eaLnBrk="1" latinLnBrk="0" hangingPunct="1">
-        <a:defRPr sz="1361" kern="1200">
+      <a:lvl1pPr marL="0" algn="l" defTabSz="816011" rtl="0" eaLnBrk="1" latinLnBrk="0" hangingPunct="1">
+        <a:defRPr sz="1606" kern="1200">
           <a:solidFill>
             <a:schemeClr val="tx1"/>
           </a:solidFill>
@@ -2816,8 +2816,8 @@
           <a:cs typeface="+mn-cs"/>
         </a:defRPr>
       </a:lvl1pPr>
-      <a:lvl2pPr marL="345643" algn="l" defTabSz="691286" rtl="0" eaLnBrk="1" latinLnBrk="0" hangingPunct="1">
-        <a:defRPr sz="1361" kern="1200">
+      <a:lvl2pPr marL="408005" algn="l" defTabSz="816011" rtl="0" eaLnBrk="1" latinLnBrk="0" hangingPunct="1">
+        <a:defRPr sz="1606" kern="1200">
           <a:solidFill>
             <a:schemeClr val="tx1"/>
           </a:solidFill>
@@ -2826,8 +2826,8 @@
           <a:cs typeface="+mn-cs"/>
         </a:defRPr>
       </a:lvl2pPr>
-      <a:lvl3pPr marL="691286" algn="l" defTabSz="691286" rtl="0" eaLnBrk="1" latinLnBrk="0" hangingPunct="1">
-        <a:defRPr sz="1361" kern="1200">
+      <a:lvl3pPr marL="816011" algn="l" defTabSz="816011" rtl="0" eaLnBrk="1" latinLnBrk="0" hangingPunct="1">
+        <a:defRPr sz="1606" kern="1200">
           <a:solidFill>
             <a:schemeClr val="tx1"/>
           </a:solidFill>
@@ -2836,8 +2836,8 @@
           <a:cs typeface="+mn-cs"/>
         </a:defRPr>
       </a:lvl3pPr>
-      <a:lvl4pPr marL="1036930" algn="l" defTabSz="691286" rtl="0" eaLnBrk="1" latinLnBrk="0" hangingPunct="1">
-        <a:defRPr sz="1361" kern="1200">
+      <a:lvl4pPr marL="1224016" algn="l" defTabSz="816011" rtl="0" eaLnBrk="1" latinLnBrk="0" hangingPunct="1">
+        <a:defRPr sz="1606" kern="1200">
           <a:solidFill>
             <a:schemeClr val="tx1"/>
           </a:solidFill>
@@ -2846,8 +2846,8 @@
           <a:cs typeface="+mn-cs"/>
         </a:defRPr>
       </a:lvl4pPr>
-      <a:lvl5pPr marL="1382573" algn="l" defTabSz="691286" rtl="0" eaLnBrk="1" latinLnBrk="0" hangingPunct="1">
-        <a:defRPr sz="1361" kern="1200">
+      <a:lvl5pPr marL="1632021" algn="l" defTabSz="816011" rtl="0" eaLnBrk="1" latinLnBrk="0" hangingPunct="1">
+        <a:defRPr sz="1606" kern="1200">
           <a:solidFill>
             <a:schemeClr val="tx1"/>
           </a:solidFill>
@@ -2856,8 +2856,8 @@
           <a:cs typeface="+mn-cs"/>
         </a:defRPr>
       </a:lvl5pPr>
-      <a:lvl6pPr marL="1728216" algn="l" defTabSz="691286" rtl="0" eaLnBrk="1" latinLnBrk="0" hangingPunct="1">
-        <a:defRPr sz="1361" kern="1200">
+      <a:lvl6pPr marL="2040026" algn="l" defTabSz="816011" rtl="0" eaLnBrk="1" latinLnBrk="0" hangingPunct="1">
+        <a:defRPr sz="1606" kern="1200">
           <a:solidFill>
             <a:schemeClr val="tx1"/>
           </a:solidFill>
@@ -2866,8 +2866,8 @@
           <a:cs typeface="+mn-cs"/>
         </a:defRPr>
       </a:lvl6pPr>
-      <a:lvl7pPr marL="2073859" algn="l" defTabSz="691286" rtl="0" eaLnBrk="1" latinLnBrk="0" hangingPunct="1">
-        <a:defRPr sz="1361" kern="1200">
+      <a:lvl7pPr marL="2448032" algn="l" defTabSz="816011" rtl="0" eaLnBrk="1" latinLnBrk="0" hangingPunct="1">
+        <a:defRPr sz="1606" kern="1200">
           <a:solidFill>
             <a:schemeClr val="tx1"/>
           </a:solidFill>
@@ -2876,8 +2876,8 @@
           <a:cs typeface="+mn-cs"/>
         </a:defRPr>
       </a:lvl7pPr>
-      <a:lvl8pPr marL="2419502" algn="l" defTabSz="691286" rtl="0" eaLnBrk="1" latinLnBrk="0" hangingPunct="1">
-        <a:defRPr sz="1361" kern="1200">
+      <a:lvl8pPr marL="2856037" algn="l" defTabSz="816011" rtl="0" eaLnBrk="1" latinLnBrk="0" hangingPunct="1">
+        <a:defRPr sz="1606" kern="1200">
           <a:solidFill>
             <a:schemeClr val="tx1"/>
           </a:solidFill>
@@ -2886,8 +2886,8 @@
           <a:cs typeface="+mn-cs"/>
         </a:defRPr>
       </a:lvl8pPr>
-      <a:lvl9pPr marL="2765146" algn="l" defTabSz="691286" rtl="0" eaLnBrk="1" latinLnBrk="0" hangingPunct="1">
-        <a:defRPr sz="1361" kern="1200">
+      <a:lvl9pPr marL="3264042" algn="l" defTabSz="816011" rtl="0" eaLnBrk="1" latinLnBrk="0" hangingPunct="1">
+        <a:defRPr sz="1606" kern="1200">
           <a:solidFill>
             <a:schemeClr val="tx1"/>
           </a:solidFill>
@@ -2926,7 +2926,7 @@
           </p:cNvPicPr>
           <p:nvPr/>
         </p:nvPicPr>
-        <p:blipFill>
+        <p:blipFill rotWithShape="1">
           <a:blip r:embed="rId2">
             <a:extLst>
               <a:ext uri="{28A0092B-C50C-407E-A947-70E740481C1C}">
@@ -2934,14 +2934,13 @@
               </a:ext>
             </a:extLst>
           </a:blip>
-          <a:stretch>
-            <a:fillRect/>
-          </a:stretch>
+          <a:srcRect l="4766" b="3290"/>
+          <a:stretch/>
         </p:blipFill>
         <p:spPr>
           <a:xfrm>
-            <a:off x="0" y="59322"/>
-            <a:ext cx="12205606" cy="5125453"/>
+            <a:off x="785738" y="526844"/>
+            <a:ext cx="11623862" cy="4956835"/>
           </a:xfrm>
           <a:prstGeom prst="rect">
             <a:avLst/>
@@ -2956,7 +2955,7 @@
         </p:nvSpPr>
         <p:spPr>
           <a:xfrm>
-            <a:off x="8218026" y="574521"/>
+            <a:off x="8422023" y="1042040"/>
             <a:ext cx="1608881" cy="400110"/>
           </a:xfrm>
           <a:prstGeom prst="rect">
@@ -2971,7 +2970,7 @@
           <a:lstStyle/>
           <a:p>
             <a:r>
-              <a:rPr lang="de-DE" sz="2000" dirty="0" smtClean="0">
+              <a:rPr lang="de-DE" sz="2000" dirty="0">
                 <a:solidFill>
                   <a:schemeClr val="bg1"/>
                 </a:solidFill>
@@ -2994,7 +2993,7 @@
         </p:nvSpPr>
         <p:spPr>
           <a:xfrm>
-            <a:off x="10058400" y="1934902"/>
+            <a:off x="10262394" y="2402421"/>
             <a:ext cx="2002420" cy="400110"/>
           </a:xfrm>
           <a:prstGeom prst="rect">
@@ -3009,7 +3008,7 @@
           <a:lstStyle/>
           <a:p>
             <a:r>
-              <a:rPr lang="de-DE" sz="2000" smtClean="0">
+              <a:rPr lang="de-DE" sz="2000">
                 <a:solidFill>
                   <a:schemeClr val="bg1"/>
                 </a:solidFill>
@@ -3032,7 +3031,7 @@
         </p:nvSpPr>
         <p:spPr>
           <a:xfrm>
-            <a:off x="1959067" y="1830730"/>
+            <a:off x="2163064" y="2298249"/>
             <a:ext cx="633663" cy="400110"/>
           </a:xfrm>
           <a:prstGeom prst="rect">
@@ -3047,7 +3046,7 @@
           <a:lstStyle/>
           <a:p>
             <a:r>
-              <a:rPr lang="de-DE" sz="2000" smtClean="0">
+              <a:rPr lang="de-DE" sz="2000">
                 <a:solidFill>
                   <a:schemeClr val="bg1"/>
                 </a:solidFill>
@@ -3070,7 +3069,7 @@
         </p:nvSpPr>
         <p:spPr>
           <a:xfrm>
-            <a:off x="460350" y="2533731"/>
+            <a:off x="664347" y="3001250"/>
             <a:ext cx="633663" cy="400110"/>
           </a:xfrm>
           <a:prstGeom prst="rect">
@@ -3085,7 +3084,7 @@
           <a:lstStyle/>
           <a:p>
             <a:r>
-              <a:rPr lang="de-DE" sz="2000" smtClean="0">
+              <a:rPr lang="de-DE" sz="2000">
                 <a:solidFill>
                   <a:schemeClr val="bg1"/>
                 </a:solidFill>
@@ -3108,7 +3107,7 @@
         </p:nvSpPr>
         <p:spPr>
           <a:xfrm>
-            <a:off x="3324879" y="2230840"/>
+            <a:off x="3528876" y="2698359"/>
             <a:ext cx="633663" cy="400110"/>
           </a:xfrm>
           <a:prstGeom prst="rect">
@@ -3123,7 +3122,7 @@
           <a:lstStyle/>
           <a:p>
             <a:r>
-              <a:rPr lang="de-DE" sz="2000" smtClean="0">
+              <a:rPr lang="de-DE" sz="2000">
                 <a:solidFill>
                   <a:schemeClr val="bg1"/>
                 </a:solidFill>
@@ -3146,7 +3145,7 @@
         </p:nvSpPr>
         <p:spPr>
           <a:xfrm>
-            <a:off x="4297711" y="2335012"/>
+            <a:off x="4501708" y="2802531"/>
             <a:ext cx="633663" cy="400110"/>
           </a:xfrm>
           <a:prstGeom prst="rect">
@@ -3161,7 +3160,7 @@
           <a:lstStyle/>
           <a:p>
             <a:r>
-              <a:rPr lang="de-DE" sz="2000" smtClean="0">
+              <a:rPr lang="de-DE" sz="2000">
                 <a:solidFill>
                   <a:schemeClr val="bg1"/>
                 </a:solidFill>
@@ -3184,7 +3183,7 @@
         </p:nvSpPr>
         <p:spPr>
           <a:xfrm>
-            <a:off x="4953711" y="2630950"/>
+            <a:off x="5157708" y="3098469"/>
             <a:ext cx="633663" cy="400110"/>
           </a:xfrm>
           <a:prstGeom prst="rect">
@@ -3199,7 +3198,7 @@
           <a:lstStyle/>
           <a:p>
             <a:r>
-              <a:rPr lang="de-DE" sz="2000" smtClean="0">
+              <a:rPr lang="de-DE" sz="2000">
                 <a:solidFill>
                   <a:schemeClr val="bg1"/>
                 </a:solidFill>
@@ -3222,7 +3221,7 @@
         </p:nvSpPr>
         <p:spPr>
           <a:xfrm>
-            <a:off x="6374807" y="2430895"/>
+            <a:off x="6578804" y="2898414"/>
             <a:ext cx="633663" cy="400110"/>
           </a:xfrm>
           <a:prstGeom prst="rect">
@@ -3237,7 +3236,7 @@
           <a:lstStyle/>
           <a:p>
             <a:r>
-              <a:rPr lang="de-DE" sz="2000" smtClean="0">
+              <a:rPr lang="de-DE" sz="2000">
                 <a:solidFill>
                   <a:schemeClr val="bg1"/>
                 </a:solidFill>
@@ -3260,7 +3259,7 @@
         </p:nvSpPr>
         <p:spPr>
           <a:xfrm>
-            <a:off x="7071320" y="2221938"/>
+            <a:off x="7275317" y="2689457"/>
             <a:ext cx="633663" cy="400110"/>
           </a:xfrm>
           <a:prstGeom prst="rect">
@@ -3275,7 +3274,7 @@
           <a:lstStyle/>
           <a:p>
             <a:r>
-              <a:rPr lang="de-DE" sz="2000" smtClean="0">
+              <a:rPr lang="de-DE" sz="2000">
                 <a:solidFill>
                   <a:schemeClr val="bg1"/>
                 </a:solidFill>
@@ -3298,7 +3297,7 @@
         </p:nvSpPr>
         <p:spPr>
           <a:xfrm>
-            <a:off x="8135071" y="2535067"/>
+            <a:off x="8339068" y="3002586"/>
             <a:ext cx="633663" cy="400110"/>
           </a:xfrm>
           <a:prstGeom prst="rect">
@@ -3313,7 +3312,7 @@
           <a:lstStyle/>
           <a:p>
             <a:r>
-              <a:rPr lang="de-DE" sz="2000" smtClean="0">
+              <a:rPr lang="de-DE" sz="2000">
                 <a:solidFill>
                   <a:schemeClr val="bg1"/>
                 </a:solidFill>
@@ -3336,7 +3335,7 @@
         </p:nvSpPr>
         <p:spPr>
           <a:xfrm>
-            <a:off x="8881990" y="2733786"/>
+            <a:off x="9085987" y="3201305"/>
             <a:ext cx="633663" cy="400110"/>
           </a:xfrm>
           <a:prstGeom prst="rect">
@@ -3351,7 +3350,7 @@
           <a:lstStyle/>
           <a:p>
             <a:r>
-              <a:rPr lang="de-DE" sz="2000" smtClean="0">
+              <a:rPr lang="de-DE" sz="2000">
                 <a:solidFill>
                   <a:schemeClr val="bg1"/>
                 </a:solidFill>
@@ -3374,7 +3373,7 @@
         </p:nvCxnSpPr>
         <p:spPr>
           <a:xfrm>
-            <a:off x="9198821" y="997780"/>
+            <a:off x="9402818" y="1465302"/>
             <a:ext cx="651235" cy="198719"/>
           </a:xfrm>
           <a:prstGeom prst="straightConnector1">
@@ -3410,8 +3409,8 @@
         </p:nvSpPr>
         <p:spPr>
           <a:xfrm>
-            <a:off x="1146815" y="4068000"/>
-            <a:ext cx="978568" cy="369332"/>
+            <a:off x="1350809" y="4535520"/>
+            <a:ext cx="978568" cy="385042"/>
           </a:xfrm>
           <a:prstGeom prst="rect">
             <a:avLst/>
@@ -3425,7 +3424,7 @@
           <a:lstStyle/>
           <a:p>
             <a:r>
-              <a:rPr lang="de-DE" dirty="0" smtClean="0">
+              <a:rPr lang="de-DE" dirty="0">
                 <a:solidFill>
                   <a:schemeClr val="bg1"/>
                 </a:solidFill>
@@ -3448,8 +3447,8 @@
         </p:nvSpPr>
         <p:spPr>
           <a:xfrm>
-            <a:off x="2614667" y="4068000"/>
-            <a:ext cx="978568" cy="369332"/>
+            <a:off x="2818661" y="4535520"/>
+            <a:ext cx="978568" cy="385042"/>
           </a:xfrm>
           <a:prstGeom prst="rect">
             <a:avLst/>
@@ -3463,7 +3462,7 @@
           <a:lstStyle/>
           <a:p>
             <a:r>
-              <a:rPr lang="de-DE" dirty="0" smtClean="0">
+              <a:rPr lang="de-DE" dirty="0">
                 <a:solidFill>
                   <a:schemeClr val="bg1"/>
                 </a:solidFill>
@@ -3486,8 +3485,8 @@
         </p:nvSpPr>
         <p:spPr>
           <a:xfrm>
-            <a:off x="3768657" y="4068000"/>
-            <a:ext cx="978568" cy="369332"/>
+            <a:off x="3972651" y="4535520"/>
+            <a:ext cx="978568" cy="385042"/>
           </a:xfrm>
           <a:prstGeom prst="rect">
             <a:avLst/>
@@ -3501,7 +3500,7 @@
           <a:lstStyle/>
           <a:p>
             <a:r>
-              <a:rPr lang="de-DE" dirty="0" smtClean="0">
+              <a:rPr lang="de-DE" dirty="0">
                 <a:solidFill>
                   <a:schemeClr val="bg1"/>
                 </a:solidFill>
@@ -3524,8 +3523,8 @@
         </p:nvSpPr>
         <p:spPr>
           <a:xfrm>
-            <a:off x="4614542" y="4068000"/>
-            <a:ext cx="978568" cy="369332"/>
+            <a:off x="4818536" y="4535520"/>
+            <a:ext cx="978568" cy="385042"/>
           </a:xfrm>
           <a:prstGeom prst="rect">
             <a:avLst/>
@@ -3539,7 +3538,7 @@
           <a:lstStyle/>
           <a:p>
             <a:r>
-              <a:rPr lang="de-DE" dirty="0" smtClean="0">
+              <a:rPr lang="de-DE" dirty="0">
                 <a:solidFill>
                   <a:schemeClr val="bg1"/>
                 </a:solidFill>
@@ -3562,8 +3561,8 @@
         </p:nvSpPr>
         <p:spPr>
           <a:xfrm>
-            <a:off x="5747847" y="4068000"/>
-            <a:ext cx="978568" cy="369332"/>
+            <a:off x="5951841" y="4535520"/>
+            <a:ext cx="978568" cy="385042"/>
           </a:xfrm>
           <a:prstGeom prst="rect">
             <a:avLst/>
@@ -3577,7 +3576,7 @@
           <a:lstStyle/>
           <a:p>
             <a:r>
-              <a:rPr lang="de-DE" dirty="0" smtClean="0">
+              <a:rPr lang="de-DE" dirty="0">
                 <a:solidFill>
                   <a:schemeClr val="bg1"/>
                 </a:solidFill>
@@ -3600,8 +3599,8 @@
         </p:nvSpPr>
         <p:spPr>
           <a:xfrm>
-            <a:off x="6726415" y="4068000"/>
-            <a:ext cx="978568" cy="369332"/>
+            <a:off x="6930409" y="4535520"/>
+            <a:ext cx="978568" cy="385042"/>
           </a:xfrm>
           <a:prstGeom prst="rect">
             <a:avLst/>
@@ -3615,7 +3614,7 @@
           <a:lstStyle/>
           <a:p>
             <a:r>
-              <a:rPr lang="de-DE" dirty="0" smtClean="0">
+              <a:rPr lang="de-DE" dirty="0">
                 <a:solidFill>
                   <a:schemeClr val="bg1"/>
                 </a:solidFill>
@@ -3638,8 +3637,8 @@
         </p:nvSpPr>
         <p:spPr>
           <a:xfrm>
-            <a:off x="7645787" y="4068000"/>
-            <a:ext cx="978568" cy="369332"/>
+            <a:off x="7849781" y="4535520"/>
+            <a:ext cx="978568" cy="385042"/>
           </a:xfrm>
           <a:prstGeom prst="rect">
             <a:avLst/>
@@ -3653,7 +3652,7 @@
           <a:lstStyle/>
           <a:p>
             <a:r>
-              <a:rPr lang="de-DE" dirty="0" smtClean="0">
+              <a:rPr lang="de-DE" dirty="0">
                 <a:solidFill>
                   <a:schemeClr val="bg1"/>
                 </a:solidFill>
@@ -3676,8 +3675,8 @@
         </p:nvSpPr>
         <p:spPr>
           <a:xfrm>
-            <a:off x="8487442" y="4068000"/>
-            <a:ext cx="978568" cy="369332"/>
+            <a:off x="8691436" y="4535520"/>
+            <a:ext cx="978568" cy="385042"/>
           </a:xfrm>
           <a:prstGeom prst="rect">
             <a:avLst/>
@@ -3691,7 +3690,7 @@
           <a:lstStyle/>
           <a:p>
             <a:r>
-              <a:rPr lang="de-DE" dirty="0" smtClean="0">
+              <a:rPr lang="de-DE" dirty="0">
                 <a:solidFill>
                   <a:schemeClr val="bg1"/>
                 </a:solidFill>
@@ -3714,8 +3713,8 @@
         </p:nvSpPr>
         <p:spPr>
           <a:xfrm>
-            <a:off x="9198821" y="4068000"/>
-            <a:ext cx="978568" cy="369332"/>
+            <a:off x="9402815" y="4535520"/>
+            <a:ext cx="978568" cy="385042"/>
           </a:xfrm>
           <a:prstGeom prst="rect">
             <a:avLst/>
@@ -3729,7 +3728,7 @@
           <a:lstStyle/>
           <a:p>
             <a:r>
-              <a:rPr lang="de-DE" dirty="0" smtClean="0">
+              <a:rPr lang="de-DE" dirty="0">
                 <a:solidFill>
                   <a:schemeClr val="bg1"/>
                 </a:solidFill>
@@ -3752,7 +3751,7 @@
         </p:nvCxnSpPr>
         <p:spPr>
           <a:xfrm>
-            <a:off x="0" y="1597552"/>
+            <a:off x="203994" y="2065071"/>
             <a:ext cx="10058400" cy="0"/>
           </a:xfrm>
           <a:prstGeom prst="straightConnector1">
@@ -3789,7 +3788,7 @@
         </p:nvSpPr>
         <p:spPr>
           <a:xfrm>
-            <a:off x="3453500" y="1125548"/>
+            <a:off x="3657497" y="1593067"/>
             <a:ext cx="2921307" cy="400110"/>
           </a:xfrm>
           <a:prstGeom prst="rect">
@@ -3804,7 +3803,7 @@
           <a:lstStyle/>
           <a:p>
             <a:r>
-              <a:rPr lang="de-DE" sz="2000" dirty="0" smtClean="0">
+              <a:rPr lang="de-DE" sz="2000" dirty="0">
                 <a:solidFill>
                   <a:srgbClr val="FF0000"/>
                 </a:solidFill>
@@ -3819,6 +3818,449 @@
           </a:p>
         </p:txBody>
       </p:sp>
+      <p:grpSp>
+        <p:nvGrpSpPr>
+          <p:cNvPr id="29" name="Gruppierung 28"/>
+          <p:cNvGrpSpPr/>
+          <p:nvPr/>
+        </p:nvGrpSpPr>
+        <p:grpSpPr>
+          <a:xfrm>
+            <a:off x="-12006" y="35519"/>
+            <a:ext cx="12698662" cy="5962214"/>
+            <a:chOff x="-216038" y="-432281"/>
+            <a:chExt cx="12698662" cy="5962214"/>
+          </a:xfrm>
+        </p:grpSpPr>
+        <p:cxnSp>
+          <p:nvCxnSpPr>
+            <p:cNvPr id="31" name="Gerade Verbindung mit Pfeil 30"/>
+            <p:cNvCxnSpPr/>
+            <p:nvPr/>
+          </p:nvCxnSpPr>
+          <p:spPr>
+            <a:xfrm>
+              <a:off x="511119" y="5103627"/>
+              <a:ext cx="11886444" cy="0"/>
+            </a:xfrm>
+            <a:prstGeom prst="straightConnector1">
+              <a:avLst/>
+            </a:prstGeom>
+            <a:ln w="25400">
+              <a:solidFill>
+                <a:schemeClr val="tx1"/>
+              </a:solidFill>
+              <a:tailEnd type="triangle" w="lg" len="lg"/>
+            </a:ln>
+          </p:spPr>
+          <p:style>
+            <a:lnRef idx="1">
+              <a:schemeClr val="accent1"/>
+            </a:lnRef>
+            <a:fillRef idx="0">
+              <a:schemeClr val="accent1"/>
+            </a:fillRef>
+            <a:effectRef idx="0">
+              <a:schemeClr val="accent1"/>
+            </a:effectRef>
+            <a:fontRef idx="minor">
+              <a:schemeClr val="tx1"/>
+            </a:fontRef>
+          </p:style>
+        </p:cxnSp>
+        <p:sp>
+          <p:nvSpPr>
+            <p:cNvPr id="32" name="Textfeld 31"/>
+            <p:cNvSpPr txBox="1"/>
+            <p:nvPr/>
+          </p:nvSpPr>
+          <p:spPr>
+            <a:xfrm>
+              <a:off x="1198669" y="5056683"/>
+              <a:ext cx="715192" cy="338554"/>
+            </a:xfrm>
+            <a:prstGeom prst="rect">
+              <a:avLst/>
+            </a:prstGeom>
+            <a:noFill/>
+          </p:spPr>
+          <p:txBody>
+            <a:bodyPr wrap="square" rtlCol="0">
+              <a:spAutoFit/>
+            </a:bodyPr>
+            <a:lstStyle/>
+            <a:p>
+              <a:r>
+                <a:rPr lang="de-DE" sz="1600" dirty="0"/>
+                <a:t>25593</a:t>
+              </a:r>
+            </a:p>
+          </p:txBody>
+        </p:sp>
+        <p:sp>
+          <p:nvSpPr>
+            <p:cNvPr id="33" name="Textfeld 32"/>
+            <p:cNvSpPr txBox="1"/>
+            <p:nvPr/>
+          </p:nvSpPr>
+          <p:spPr>
+            <a:xfrm>
+              <a:off x="3071813" y="5075409"/>
+              <a:ext cx="715192" cy="338554"/>
+            </a:xfrm>
+            <a:prstGeom prst="rect">
+              <a:avLst/>
+            </a:prstGeom>
+            <a:noFill/>
+          </p:spPr>
+          <p:txBody>
+            <a:bodyPr wrap="square" rtlCol="0">
+              <a:spAutoFit/>
+            </a:bodyPr>
+            <a:lstStyle/>
+            <a:p>
+              <a:r>
+                <a:rPr lang="de-DE" sz="1600" dirty="0"/>
+                <a:t>25760</a:t>
+              </a:r>
+            </a:p>
+          </p:txBody>
+        </p:sp>
+        <p:sp>
+          <p:nvSpPr>
+            <p:cNvPr id="34" name="Textfeld 33"/>
+            <p:cNvSpPr txBox="1"/>
+            <p:nvPr/>
+          </p:nvSpPr>
+          <p:spPr>
+            <a:xfrm>
+              <a:off x="4953673" y="5067428"/>
+              <a:ext cx="715192" cy="338554"/>
+            </a:xfrm>
+            <a:prstGeom prst="rect">
+              <a:avLst/>
+            </a:prstGeom>
+            <a:noFill/>
+          </p:spPr>
+          <p:txBody>
+            <a:bodyPr wrap="square" rtlCol="0">
+              <a:spAutoFit/>
+            </a:bodyPr>
+            <a:lstStyle/>
+            <a:p>
+              <a:r>
+                <a:rPr lang="de-DE" sz="1600" dirty="0"/>
+                <a:t>25926</a:t>
+              </a:r>
+            </a:p>
+          </p:txBody>
+        </p:sp>
+        <p:sp>
+          <p:nvSpPr>
+            <p:cNvPr id="35" name="Textfeld 34"/>
+            <p:cNvSpPr txBox="1"/>
+            <p:nvPr/>
+          </p:nvSpPr>
+          <p:spPr>
+            <a:xfrm>
+              <a:off x="6835533" y="5075409"/>
+              <a:ext cx="715192" cy="338554"/>
+            </a:xfrm>
+            <a:prstGeom prst="rect">
+              <a:avLst/>
+            </a:prstGeom>
+            <a:noFill/>
+          </p:spPr>
+          <p:txBody>
+            <a:bodyPr wrap="square" rtlCol="0">
+              <a:spAutoFit/>
+            </a:bodyPr>
+            <a:lstStyle/>
+            <a:p>
+              <a:r>
+                <a:rPr lang="de-DE" sz="1600" dirty="0"/>
+                <a:t>26039</a:t>
+              </a:r>
+            </a:p>
+          </p:txBody>
+        </p:sp>
+        <p:sp>
+          <p:nvSpPr>
+            <p:cNvPr id="36" name="Textfeld 35"/>
+            <p:cNvSpPr txBox="1"/>
+            <p:nvPr/>
+          </p:nvSpPr>
+          <p:spPr>
+            <a:xfrm>
+              <a:off x="8717393" y="5075409"/>
+              <a:ext cx="715192" cy="338554"/>
+            </a:xfrm>
+            <a:prstGeom prst="rect">
+              <a:avLst/>
+            </a:prstGeom>
+            <a:noFill/>
+          </p:spPr>
+          <p:txBody>
+            <a:bodyPr wrap="square" rtlCol="0">
+              <a:spAutoFit/>
+            </a:bodyPr>
+            <a:lstStyle/>
+            <a:p>
+              <a:r>
+                <a:rPr lang="de-DE" sz="1600" dirty="0"/>
+                <a:t>26259</a:t>
+              </a:r>
+            </a:p>
+          </p:txBody>
+        </p:sp>
+        <p:sp>
+          <p:nvSpPr>
+            <p:cNvPr id="37" name="Textfeld 36"/>
+            <p:cNvSpPr txBox="1"/>
+            <p:nvPr/>
+          </p:nvSpPr>
+          <p:spPr>
+            <a:xfrm>
+              <a:off x="10599253" y="5077039"/>
+              <a:ext cx="715192" cy="338554"/>
+            </a:xfrm>
+            <a:prstGeom prst="rect">
+              <a:avLst/>
+            </a:prstGeom>
+            <a:noFill/>
+          </p:spPr>
+          <p:txBody>
+            <a:bodyPr wrap="square" rtlCol="0">
+              <a:spAutoFit/>
+            </a:bodyPr>
+            <a:lstStyle/>
+            <a:p>
+              <a:r>
+                <a:rPr lang="de-DE" sz="1600" dirty="0"/>
+                <a:t>26426</a:t>
+              </a:r>
+            </a:p>
+          </p:txBody>
+        </p:sp>
+        <p:sp>
+          <p:nvSpPr>
+            <p:cNvPr id="38" name="Textfeld 37"/>
+            <p:cNvSpPr txBox="1"/>
+            <p:nvPr/>
+          </p:nvSpPr>
+          <p:spPr>
+            <a:xfrm>
+              <a:off x="-118304" y="4190584"/>
+              <a:ext cx="715192" cy="338554"/>
+            </a:xfrm>
+            <a:prstGeom prst="rect">
+              <a:avLst/>
+            </a:prstGeom>
+            <a:noFill/>
+          </p:spPr>
+          <p:txBody>
+            <a:bodyPr wrap="square" rtlCol="0">
+              <a:spAutoFit/>
+            </a:bodyPr>
+            <a:lstStyle/>
+            <a:p>
+              <a:r>
+                <a:rPr lang="de-DE" sz="1600" dirty="0"/>
+                <a:t>22,35</a:t>
+              </a:r>
+            </a:p>
+          </p:txBody>
+        </p:sp>
+        <p:sp>
+          <p:nvSpPr>
+            <p:cNvPr id="39" name="Textfeld 38"/>
+            <p:cNvSpPr txBox="1"/>
+            <p:nvPr/>
+          </p:nvSpPr>
+          <p:spPr>
+            <a:xfrm>
+              <a:off x="-133486" y="2889355"/>
+              <a:ext cx="715192" cy="338554"/>
+            </a:xfrm>
+            <a:prstGeom prst="rect">
+              <a:avLst/>
+            </a:prstGeom>
+            <a:noFill/>
+          </p:spPr>
+          <p:txBody>
+            <a:bodyPr wrap="square" rtlCol="0">
+              <a:spAutoFit/>
+            </a:bodyPr>
+            <a:lstStyle/>
+            <a:p>
+              <a:r>
+                <a:rPr lang="de-DE" sz="1600" dirty="0"/>
+                <a:t>79,64</a:t>
+              </a:r>
+            </a:p>
+          </p:txBody>
+        </p:sp>
+        <p:sp>
+          <p:nvSpPr>
+            <p:cNvPr id="40" name="Textfeld 39"/>
+            <p:cNvSpPr txBox="1"/>
+            <p:nvPr/>
+          </p:nvSpPr>
+          <p:spPr>
+            <a:xfrm>
+              <a:off x="-216038" y="1585913"/>
+              <a:ext cx="839702" cy="338554"/>
+            </a:xfrm>
+            <a:prstGeom prst="rect">
+              <a:avLst/>
+            </a:prstGeom>
+            <a:noFill/>
+          </p:spPr>
+          <p:txBody>
+            <a:bodyPr wrap="square" rtlCol="0">
+              <a:spAutoFit/>
+            </a:bodyPr>
+            <a:lstStyle/>
+            <a:p>
+              <a:r>
+                <a:rPr lang="de-DE" sz="1600" dirty="0"/>
+                <a:t>136,94</a:t>
+              </a:r>
+            </a:p>
+          </p:txBody>
+        </p:sp>
+        <p:sp>
+          <p:nvSpPr>
+            <p:cNvPr id="41" name="Textfeld 40"/>
+            <p:cNvSpPr txBox="1"/>
+            <p:nvPr/>
+          </p:nvSpPr>
+          <p:spPr>
+            <a:xfrm>
+              <a:off x="-205945" y="282471"/>
+              <a:ext cx="787651" cy="338554"/>
+            </a:xfrm>
+            <a:prstGeom prst="rect">
+              <a:avLst/>
+            </a:prstGeom>
+            <a:noFill/>
+          </p:spPr>
+          <p:txBody>
+            <a:bodyPr wrap="square" rtlCol="0">
+              <a:spAutoFit/>
+            </a:bodyPr>
+            <a:lstStyle/>
+            <a:p>
+              <a:r>
+                <a:rPr lang="de-DE" sz="1600" dirty="0"/>
+                <a:t>194,23</a:t>
+              </a:r>
+            </a:p>
+          </p:txBody>
+        </p:sp>
+        <p:cxnSp>
+          <p:nvCxnSpPr>
+            <p:cNvPr id="42" name="Gerade Verbindung mit Pfeil 41"/>
+            <p:cNvCxnSpPr/>
+            <p:nvPr/>
+          </p:nvCxnSpPr>
+          <p:spPr>
+            <a:xfrm flipV="1">
+              <a:off x="511119" y="-116958"/>
+              <a:ext cx="0" cy="5220585"/>
+            </a:xfrm>
+            <a:prstGeom prst="straightConnector1">
+              <a:avLst/>
+            </a:prstGeom>
+            <a:ln w="25400">
+              <a:solidFill>
+                <a:schemeClr val="tx1"/>
+              </a:solidFill>
+              <a:tailEnd type="triangle" w="lg" len="lg"/>
+            </a:ln>
+          </p:spPr>
+          <p:style>
+            <a:lnRef idx="1">
+              <a:schemeClr val="accent1"/>
+            </a:lnRef>
+            <a:fillRef idx="0">
+              <a:schemeClr val="accent1"/>
+            </a:fillRef>
+            <a:effectRef idx="0">
+              <a:schemeClr val="accent1"/>
+            </a:effectRef>
+            <a:fontRef idx="minor">
+              <a:schemeClr val="tx1"/>
+            </a:fontRef>
+          </p:style>
+        </p:cxnSp>
+        <p:sp>
+          <p:nvSpPr>
+            <p:cNvPr id="43" name="Textfeld 42"/>
+            <p:cNvSpPr txBox="1"/>
+            <p:nvPr/>
+          </p:nvSpPr>
+          <p:spPr>
+            <a:xfrm>
+              <a:off x="401227" y="-432281"/>
+              <a:ext cx="1594884" cy="338554"/>
+            </a:xfrm>
+            <a:prstGeom prst="rect">
+              <a:avLst/>
+            </a:prstGeom>
+            <a:noFill/>
+          </p:spPr>
+          <p:txBody>
+            <a:bodyPr wrap="square" rtlCol="0">
+              <a:spAutoFit/>
+            </a:bodyPr>
+            <a:lstStyle/>
+            <a:p>
+              <a:r>
+                <a:rPr lang="de-DE" sz="1600" dirty="0"/>
+                <a:t>Leistung [mW]</a:t>
+              </a:r>
+            </a:p>
+          </p:txBody>
+        </p:sp>
+        <p:sp>
+          <p:nvSpPr>
+            <p:cNvPr id="44" name="Textfeld 43"/>
+            <p:cNvSpPr txBox="1"/>
+            <p:nvPr/>
+          </p:nvSpPr>
+          <p:spPr>
+            <a:xfrm>
+              <a:off x="11548609" y="5191379"/>
+              <a:ext cx="934015" cy="338554"/>
+            </a:xfrm>
+            <a:prstGeom prst="rect">
+              <a:avLst/>
+            </a:prstGeom>
+            <a:noFill/>
+          </p:spPr>
+          <p:txBody>
+            <a:bodyPr wrap="square" rtlCol="0">
+              <a:spAutoFit/>
+            </a:bodyPr>
+            <a:lstStyle/>
+            <a:p>
+              <a:r>
+                <a:rPr lang="de-DE" sz="1600" dirty="0"/>
+                <a:t>Zeit [</a:t>
+              </a:r>
+              <a:r>
+                <a:rPr lang="de-DE" sz="1600" dirty="0" err="1"/>
+                <a:t>ms</a:t>
+              </a:r>
+              <a:r>
+                <a:rPr lang="de-DE" sz="1600" dirty="0"/>
+                <a:t>]</a:t>
+              </a:r>
+            </a:p>
+          </p:txBody>
+        </p:sp>
+      </p:grpSp>
     </p:spTree>
     <p:extLst>
       <p:ext uri="{BB962C8B-B14F-4D97-AF65-F5344CB8AC3E}">
